--- a/ppt.pptx
+++ b/ppt.pptx
@@ -14469,8 +14469,8 @@
         </p:nvSpPr>
         <p:spPr bwMode="auto">
           <a:xfrm>
-            <a:off x="1328738" y="2573338"/>
-            <a:ext cx="9534525" cy="923925"/>
+            <a:off x="1328509" y="2573338"/>
+            <a:ext cx="9534983" cy="923330"/>
           </a:xfrm>
           <a:prstGeom prst="rect">
             <a:avLst/>
@@ -14611,7 +14611,17 @@
                 <a:latin typeface="Lato Black" pitchFamily="34" charset="0"/>
                 <a:cs typeface="Lato Black" pitchFamily="34" charset="0"/>
               </a:rPr>
-              <a:t>AUTOMATION WITH ALEXA</a:t>
+              <a:t>AUTOMATION WITH </a:t>
+            </a:r>
+            <a:r>
+              <a:rPr lang="en-US" altLang="en-US" sz="5400" dirty="0">
+                <a:solidFill>
+                  <a:schemeClr val="bg1"/>
+                </a:solidFill>
+                <a:latin typeface="Lato Black" pitchFamily="34" charset="0"/>
+                <a:cs typeface="Lato Black" pitchFamily="34" charset="0"/>
+              </a:rPr>
+              <a:t>ALEXA</a:t>
             </a:r>
           </a:p>
         </p:txBody>
